--- a/2DGP 1차 발표.pptx
+++ b/2DGP 1차 발표.pptx
@@ -323,7 +323,7 @@
           <a:p>
             <a:fld id="{073ED0CC-082F-4160-86E5-0D6041F12778}" type="datetime1">
               <a:rPr lang="en-US" smtClean="0"/>
-              <a:t>10/12/2024</a:t>
+              <a:t>10/13/2024</a:t>
             </a:fld>
             <a:endParaRPr lang="en-US" dirty="0"/>
           </a:p>
@@ -662,7 +662,7 @@
           <a:p>
             <a:fld id="{073ED0CC-082F-4160-86E5-0D6041F12778}" type="datetime1">
               <a:rPr lang="en-US" smtClean="0"/>
-              <a:t>10/12/2024</a:t>
+              <a:t>10/13/2024</a:t>
             </a:fld>
             <a:endParaRPr lang="en-US" dirty="0"/>
           </a:p>
@@ -1064,7 +1064,7 @@
           <a:p>
             <a:fld id="{073ED0CC-082F-4160-86E5-0D6041F12778}" type="datetime1">
               <a:rPr lang="en-US" smtClean="0"/>
-              <a:t>10/12/2024</a:t>
+              <a:t>10/13/2024</a:t>
             </a:fld>
             <a:endParaRPr lang="en-US" dirty="0"/>
           </a:p>
@@ -1401,7 +1401,7 @@
           <a:p>
             <a:fld id="{073ED0CC-082F-4160-86E5-0D6041F12778}" type="datetime1">
               <a:rPr lang="en-US" smtClean="0"/>
-              <a:t>10/12/2024</a:t>
+              <a:t>10/13/2024</a:t>
             </a:fld>
             <a:endParaRPr lang="en-US" dirty="0"/>
           </a:p>
@@ -1722,7 +1722,7 @@
           <a:p>
             <a:fld id="{073ED0CC-082F-4160-86E5-0D6041F12778}" type="datetime1">
               <a:rPr lang="en-US" smtClean="0"/>
-              <a:t>10/12/2024</a:t>
+              <a:t>10/13/2024</a:t>
             </a:fld>
             <a:endParaRPr lang="en-US" dirty="0"/>
           </a:p>
@@ -2119,7 +2119,7 @@
           <a:p>
             <a:fld id="{073ED0CC-082F-4160-86E5-0D6041F12778}" type="datetime1">
               <a:rPr lang="en-US" smtClean="0"/>
-              <a:t>10/12/2024</a:t>
+              <a:t>10/13/2024</a:t>
             </a:fld>
             <a:endParaRPr lang="en-US" dirty="0"/>
           </a:p>
@@ -2377,7 +2377,7 @@
           <a:p>
             <a:fld id="{073ED0CC-082F-4160-86E5-0D6041F12778}" type="datetime1">
               <a:rPr lang="en-US" smtClean="0"/>
-              <a:t>10/12/2024</a:t>
+              <a:t>10/13/2024</a:t>
             </a:fld>
             <a:endParaRPr lang="en-US" dirty="0"/>
           </a:p>
@@ -2640,7 +2640,7 @@
           <a:p>
             <a:fld id="{073ED0CC-082F-4160-86E5-0D6041F12778}" type="datetime1">
               <a:rPr lang="en-US" smtClean="0"/>
-              <a:t>10/12/2024</a:t>
+              <a:t>10/13/2024</a:t>
             </a:fld>
             <a:endParaRPr lang="en-US" dirty="0"/>
           </a:p>
@@ -2903,7 +2903,7 @@
           <a:p>
             <a:fld id="{073ED0CC-082F-4160-86E5-0D6041F12778}" type="datetime1">
               <a:rPr lang="en-US" smtClean="0"/>
-              <a:t>10/12/2024</a:t>
+              <a:t>10/13/2024</a:t>
             </a:fld>
             <a:endParaRPr lang="en-US" dirty="0"/>
           </a:p>
@@ -3233,7 +3233,7 @@
           <a:p>
             <a:fld id="{073ED0CC-082F-4160-86E5-0D6041F12778}" type="datetime1">
               <a:rPr lang="en-US" smtClean="0"/>
-              <a:t>10/12/2024</a:t>
+              <a:t>10/13/2024</a:t>
             </a:fld>
             <a:endParaRPr lang="en-US" dirty="0"/>
           </a:p>
@@ -3557,7 +3557,7 @@
           <a:p>
             <a:fld id="{073ED0CC-082F-4160-86E5-0D6041F12778}" type="datetime1">
               <a:rPr lang="en-US" smtClean="0"/>
-              <a:t>10/12/2024</a:t>
+              <a:t>10/13/2024</a:t>
             </a:fld>
             <a:endParaRPr lang="en-US" dirty="0"/>
           </a:p>
@@ -4015,7 +4015,7 @@
           <a:p>
             <a:fld id="{073ED0CC-082F-4160-86E5-0D6041F12778}" type="datetime1">
               <a:rPr lang="en-US" smtClean="0"/>
-              <a:t>10/12/2024</a:t>
+              <a:t>10/13/2024</a:t>
             </a:fld>
             <a:endParaRPr lang="en-US" dirty="0"/>
           </a:p>
@@ -4221,7 +4221,7 @@
           <a:p>
             <a:fld id="{073ED0CC-082F-4160-86E5-0D6041F12778}" type="datetime1">
               <a:rPr lang="en-US" smtClean="0"/>
-              <a:t>10/12/2024</a:t>
+              <a:t>10/13/2024</a:t>
             </a:fld>
             <a:endParaRPr lang="en-US" dirty="0"/>
           </a:p>
@@ -4399,7 +4399,7 @@
           <a:p>
             <a:fld id="{073ED0CC-082F-4160-86E5-0D6041F12778}" type="datetime1">
               <a:rPr lang="en-US" smtClean="0"/>
-              <a:t>10/12/2024</a:t>
+              <a:t>10/13/2024</a:t>
             </a:fld>
             <a:endParaRPr lang="en-US" dirty="0"/>
           </a:p>
@@ -4733,7 +4733,7 @@
           <a:p>
             <a:fld id="{073ED0CC-082F-4160-86E5-0D6041F12778}" type="datetime1">
               <a:rPr lang="en-US" smtClean="0"/>
-              <a:t>10/12/2024</a:t>
+              <a:t>10/13/2024</a:t>
             </a:fld>
             <a:endParaRPr lang="en-US" dirty="0"/>
           </a:p>
@@ -5079,7 +5079,7 @@
           <a:p>
             <a:fld id="{073ED0CC-082F-4160-86E5-0D6041F12778}" type="datetime1">
               <a:rPr lang="en-US" smtClean="0"/>
-              <a:t>10/12/2024</a:t>
+              <a:t>10/13/2024</a:t>
             </a:fld>
             <a:endParaRPr lang="en-US" dirty="0"/>
           </a:p>
@@ -7197,7 +7197,7 @@
           <a:p>
             <a:fld id="{073ED0CC-082F-4160-86E5-0D6041F12778}" type="datetime1">
               <a:rPr lang="en-US" smtClean="0"/>
-              <a:t>10/12/2024</a:t>
+              <a:t>10/13/2024</a:t>
             </a:fld>
             <a:endParaRPr lang="en-US" dirty="0"/>
           </a:p>
@@ -13212,6 +13212,17 @@
               <a:buChar char=""/>
             </a:pPr>
             <a:r>
+              <a:rPr lang="ko-KR" altLang="en-US" dirty="0">
+                <a:solidFill>
+                  <a:schemeClr val="tx1">
+                    <a:lumMod val="75000"/>
+                    <a:lumOff val="25000"/>
+                  </a:schemeClr>
+                </a:solidFill>
+              </a:rPr>
+              <a:t> </a:t>
+            </a:r>
+            <a:r>
               <a:rPr lang="ko-KR" altLang="en-US" dirty="0" err="1">
                 <a:solidFill>
                   <a:schemeClr val="tx1">
@@ -13344,7 +13355,7 @@
                   </a:schemeClr>
                 </a:solidFill>
               </a:rPr>
-              <a:t>방향키와 점프로 캐릭터를 조작해면서 장애물을 피해</a:t>
+              <a:t>방향키와 점프로 캐릭터를 조작하면서 장애물을 피해</a:t>
             </a:r>
             <a:r>
               <a:rPr lang="en-US" altLang="ko-KR" dirty="0">
@@ -13366,7 +13377,7 @@
                   </a:schemeClr>
                 </a:solidFill>
               </a:rPr>
-              <a:t> 이후 마지막 보스를 상대</a:t>
+              <a:t> 이후 보스를 상대</a:t>
             </a:r>
             <a:endParaRPr lang="en-US" altLang="ko-KR" dirty="0">
               <a:solidFill>
@@ -13402,7 +13413,29 @@
                   </a:schemeClr>
                 </a:solidFill>
               </a:rPr>
-              <a:t>맵 곳곳에 함정을 깔아서 겉보기에는 쉬워도 쉽게 깰 수 없게 </a:t>
+              <a:t>맵 곳곳에 장애물과 함정을 깔고</a:t>
+            </a:r>
+            <a:r>
+              <a:rPr lang="en-US" altLang="ko-KR" dirty="0">
+                <a:solidFill>
+                  <a:schemeClr val="tx1">
+                    <a:lumMod val="75000"/>
+                    <a:lumOff val="25000"/>
+                  </a:schemeClr>
+                </a:solidFill>
+              </a:rPr>
+              <a:t>, </a:t>
+            </a:r>
+            <a:r>
+              <a:rPr lang="ko-KR" altLang="en-US" dirty="0">
+                <a:solidFill>
+                  <a:schemeClr val="tx1">
+                    <a:lumMod val="75000"/>
+                    <a:lumOff val="25000"/>
+                  </a:schemeClr>
+                </a:solidFill>
+              </a:rPr>
+              <a:t>만약 </a:t>
             </a:r>
             <a:r>
               <a:rPr lang="ko-KR" altLang="en-US" dirty="0" err="1">
@@ -13413,7 +13446,18 @@
                   </a:schemeClr>
                 </a:solidFill>
               </a:rPr>
-              <a:t>만듬</a:t>
+              <a:t>닿이게</a:t>
+            </a:r>
+            <a:r>
+              <a:rPr lang="ko-KR" altLang="en-US" dirty="0">
+                <a:solidFill>
+                  <a:schemeClr val="tx1">
+                    <a:lumMod val="75000"/>
+                    <a:lumOff val="25000"/>
+                  </a:schemeClr>
+                </a:solidFill>
+              </a:rPr>
+              <a:t> 되면 바로 즉사하는 구조</a:t>
             </a:r>
             <a:endParaRPr lang="en-US" altLang="ko-KR" dirty="0">
               <a:solidFill>
@@ -13556,7 +13600,7 @@
         </p:blipFill>
         <p:spPr>
           <a:xfrm>
-            <a:off x="6091916" y="842865"/>
+            <a:off x="6091916" y="853216"/>
             <a:ext cx="5451627" cy="2303312"/>
           </a:xfrm>
           <a:prstGeom prst="rect">
@@ -13866,6 +13910,36 @@
           <a:chExt cx="0" cy="0"/>
         </a:xfrm>
       </p:grpSpPr>
+      <p:pic>
+        <p:nvPicPr>
+          <p:cNvPr id="4" name="그림 3">
+            <a:extLst>
+              <a:ext uri="{FF2B5EF4-FFF2-40B4-BE49-F238E27FC236}">
+                <a16:creationId xmlns:a16="http://schemas.microsoft.com/office/drawing/2014/main" id="{9BCC1877-E9B9-BBD5-64D2-B456D4934540}"/>
+              </a:ext>
+            </a:extLst>
+          </p:cNvPr>
+          <p:cNvPicPr>
+            <a:picLocks noChangeAspect="1"/>
+          </p:cNvPicPr>
+          <p:nvPr/>
+        </p:nvPicPr>
+        <p:blipFill>
+          <a:blip r:embed="rId3"/>
+          <a:stretch>
+            <a:fillRect/>
+          </a:stretch>
+        </p:blipFill>
+        <p:spPr>
+          <a:xfrm>
+            <a:off x="336301" y="1059712"/>
+            <a:ext cx="6858095" cy="4370783"/>
+          </a:xfrm>
+          <a:prstGeom prst="rect">
+            <a:avLst/>
+          </a:prstGeom>
+        </p:spPr>
+      </p:pic>
       <p:sp>
         <p:nvSpPr>
           <p:cNvPr id="2" name="제목 1">
@@ -13903,8 +13977,8 @@
               <a:t>(</a:t>
             </a:r>
             <a:r>
-              <a:rPr lang="ko-KR" altLang="en-US" sz="4800" dirty="0" err="1"/>
-              <a:t>인게임</a:t>
+              <a:rPr lang="ko-KR" altLang="en-US" sz="4800" dirty="0"/>
+              <a:t>스테이지</a:t>
             </a:r>
             <a:r>
               <a:rPr lang="en-US" altLang="ko-KR" sz="4800" dirty="0"/>
@@ -13929,7 +14003,7 @@
         <p:spPr>
           <a:xfrm>
             <a:off x="7346200" y="1012203"/>
-            <a:ext cx="4827103" cy="4893647"/>
+            <a:ext cx="4827103" cy="4524315"/>
           </a:xfrm>
           <a:prstGeom prst="rect">
             <a:avLst/>
@@ -13947,7 +14021,7 @@
             </a:pPr>
             <a:r>
               <a:rPr lang="ko-KR" altLang="en-US" sz="2400" dirty="0"/>
-              <a:t>맵 곳곳에 있는 장애물들과  함정들을 피하며 보스한테 가는 형식</a:t>
+              <a:t>맵 곳곳에 있는 장애물들과  함정들을 피해가며 보스한테 가는 형식</a:t>
             </a:r>
             <a:endParaRPr lang="en-US" altLang="ko-KR" sz="2400" dirty="0"/>
           </a:p>
@@ -13965,7 +14039,7 @@
             </a:pPr>
             <a:r>
               <a:rPr lang="ko-KR" altLang="en-US" sz="2400" dirty="0"/>
-              <a:t>목숨은 한 개 밖에 없으며 한 번 걸리면 그대로 플레이어 캐릭터 즉사</a:t>
+              <a:t>목숨은 한 개 밖에 없으므로 한 번 걸리면 그대로 플레이어 캐릭터 즉사</a:t>
             </a:r>
             <a:r>
               <a:rPr lang="en-US" altLang="ko-KR" sz="2400" dirty="0"/>
@@ -13995,48 +14069,12 @@
             </a:r>
             <a:r>
               <a:rPr lang="ko-KR" altLang="en-US" sz="2400" dirty="0"/>
-              <a:t>신중한 플레이 하고 함정들 위치를 잘 기억해야 함</a:t>
+              <a:t>신중한 플레이 요구</a:t>
             </a:r>
             <a:endParaRPr lang="en-US" altLang="ko-KR" sz="2400" dirty="0"/>
           </a:p>
         </p:txBody>
       </p:sp>
-      <p:pic>
-        <p:nvPicPr>
-          <p:cNvPr id="6" name="그림 5" descr="스크린샷, 클립아트, 만화 영화이(가) 표시된 사진&#10;&#10;자동 생성된 설명">
-            <a:extLst>
-              <a:ext uri="{FF2B5EF4-FFF2-40B4-BE49-F238E27FC236}">
-                <a16:creationId xmlns:a16="http://schemas.microsoft.com/office/drawing/2014/main" id="{1E403694-4CF2-5C7D-8876-B5FA85D71B1B}"/>
-              </a:ext>
-            </a:extLst>
-          </p:cNvPr>
-          <p:cNvPicPr>
-            <a:picLocks noChangeAspect="1"/>
-          </p:cNvPicPr>
-          <p:nvPr/>
-        </p:nvPicPr>
-        <p:blipFill>
-          <a:blip r:embed="rId3">
-            <a:extLst>
-              <a:ext uri="{28A0092B-C50C-407E-A947-70E740481C1C}">
-                <a14:useLocalDpi xmlns:a14="http://schemas.microsoft.com/office/drawing/2010/main" val="0"/>
-              </a:ext>
-            </a:extLst>
-          </a:blip>
-          <a:stretch>
-            <a:fillRect/>
-          </a:stretch>
-        </p:blipFill>
-        <p:spPr>
-          <a:xfrm>
-            <a:off x="531711" y="1062512"/>
-            <a:ext cx="6662685" cy="4513680"/>
-          </a:xfrm>
-          <a:prstGeom prst="rect">
-            <a:avLst/>
-          </a:prstGeom>
-        </p:spPr>
-      </p:pic>
       <p:sp>
         <p:nvSpPr>
           <p:cNvPr id="15" name="타원 14">
@@ -14051,7 +14089,7 @@
         </p:nvSpPr>
         <p:spPr>
           <a:xfrm>
-            <a:off x="1197315" y="5607713"/>
+            <a:off x="1209690" y="5586729"/>
             <a:ext cx="655320" cy="468602"/>
           </a:xfrm>
           <a:prstGeom prst="ellipse">
@@ -14227,7 +14265,7 @@
             </a:r>
             <a:r>
               <a:rPr lang="ko-KR" altLang="en-US" dirty="0"/>
-              <a:t>보이는　장애물</a:t>
+              <a:t>장애물</a:t>
             </a:r>
           </a:p>
         </p:txBody>
@@ -14266,21 +14304,8 @@
             </a:r>
             <a:r>
               <a:rPr lang="ko-KR" altLang="en-US" dirty="0"/>
-              <a:t>보이지 않는 장애물</a:t>
+              <a:t>함정</a:t>
             </a:r>
-            <a:r>
-              <a:rPr lang="en-US" altLang="ko-KR" dirty="0"/>
-              <a:t>(</a:t>
-            </a:r>
-            <a:r>
-              <a:rPr lang="ko-KR" altLang="en-US" dirty="0"/>
-              <a:t>떨어지는 장애물</a:t>
-            </a:r>
-            <a:r>
-              <a:rPr lang="en-US" altLang="ko-KR" dirty="0"/>
-              <a:t>)</a:t>
-            </a:r>
-            <a:endParaRPr lang="ko-KR" altLang="en-US" dirty="0"/>
           </a:p>
         </p:txBody>
       </p:sp>
@@ -14323,42 +14348,6 @@
           </a:p>
         </p:txBody>
       </p:sp>
-      <p:pic>
-        <p:nvPicPr>
-          <p:cNvPr id="25" name="그림 24" descr="스케치, 봄이(가) 표시된 사진&#10;&#10;자동 생성된 설명">
-            <a:extLst>
-              <a:ext uri="{FF2B5EF4-FFF2-40B4-BE49-F238E27FC236}">
-                <a16:creationId xmlns:a16="http://schemas.microsoft.com/office/drawing/2014/main" id="{75F8898D-B098-8C89-95CA-35C840B0E093}"/>
-              </a:ext>
-            </a:extLst>
-          </p:cNvPr>
-          <p:cNvPicPr>
-            <a:picLocks noChangeAspect="1"/>
-          </p:cNvPicPr>
-          <p:nvPr/>
-        </p:nvPicPr>
-        <p:blipFill>
-          <a:blip r:embed="rId4">
-            <a:extLst>
-              <a:ext uri="{28A0092B-C50C-407E-A947-70E740481C1C}">
-                <a14:useLocalDpi xmlns:a14="http://schemas.microsoft.com/office/drawing/2010/main" val="0"/>
-              </a:ext>
-            </a:extLst>
-          </a:blip>
-          <a:stretch>
-            <a:fillRect/>
-          </a:stretch>
-        </p:blipFill>
-        <p:spPr>
-          <a:xfrm>
-            <a:off x="1761187" y="2867023"/>
-            <a:ext cx="561977" cy="561977"/>
-          </a:xfrm>
-          <a:prstGeom prst="rect">
-            <a:avLst/>
-          </a:prstGeom>
-        </p:spPr>
-      </p:pic>
       <p:sp>
         <p:nvSpPr>
           <p:cNvPr id="26" name="타원 25">
@@ -14373,7 +14362,7 @@
         </p:nvSpPr>
         <p:spPr>
           <a:xfrm>
-            <a:off x="1433245" y="2559013"/>
+            <a:off x="1808803" y="1012203"/>
             <a:ext cx="1233488" cy="1148013"/>
           </a:xfrm>
           <a:prstGeom prst="ellipse">
@@ -14425,7 +14414,7 @@
         </p:nvSpPr>
         <p:spPr>
           <a:xfrm>
-            <a:off x="6240943" y="6228174"/>
+            <a:off x="2844406" y="6195374"/>
             <a:ext cx="655320" cy="468602"/>
           </a:xfrm>
           <a:prstGeom prst="ellipse">
@@ -14477,7 +14466,7 @@
         </p:nvSpPr>
         <p:spPr>
           <a:xfrm>
-            <a:off x="6996987" y="6235508"/>
+            <a:off x="3600450" y="6202708"/>
             <a:ext cx="2057400" cy="369332"/>
           </a:xfrm>
           <a:prstGeom prst="rect">
@@ -14499,6 +14488,162 @@
               <a:rPr lang="ko-KR" altLang="en-US" dirty="0"/>
               <a:t>세이브 포인트</a:t>
             </a:r>
+          </a:p>
+        </p:txBody>
+      </p:sp>
+      <p:sp>
+        <p:nvSpPr>
+          <p:cNvPr id="5" name="타원 4">
+            <a:extLst>
+              <a:ext uri="{FF2B5EF4-FFF2-40B4-BE49-F238E27FC236}">
+                <a16:creationId xmlns:a16="http://schemas.microsoft.com/office/drawing/2014/main" id="{0D9676A4-5E34-8499-026E-19581E8FB84B}"/>
+              </a:ext>
+            </a:extLst>
+          </p:cNvPr>
+          <p:cNvSpPr/>
+          <p:nvPr/>
+        </p:nvSpPr>
+        <p:spPr>
+          <a:xfrm>
+            <a:off x="2758153" y="2200276"/>
+            <a:ext cx="1191547" cy="842281"/>
+          </a:xfrm>
+          <a:prstGeom prst="ellipse">
+            <a:avLst/>
+          </a:prstGeom>
+          <a:noFill/>
+          <a:ln w="76200">
+            <a:solidFill>
+              <a:srgbClr val="FFC000"/>
+            </a:solidFill>
+          </a:ln>
+        </p:spPr>
+        <p:style>
+          <a:lnRef idx="2">
+            <a:schemeClr val="accent1">
+              <a:shade val="15000"/>
+            </a:schemeClr>
+          </a:lnRef>
+          <a:fillRef idx="1">
+            <a:schemeClr val="accent1"/>
+          </a:fillRef>
+          <a:effectRef idx="0">
+            <a:schemeClr val="accent1"/>
+          </a:effectRef>
+          <a:fontRef idx="minor">
+            <a:schemeClr val="lt1"/>
+          </a:fontRef>
+        </p:style>
+        <p:txBody>
+          <a:bodyPr rtlCol="0" anchor="ctr"/>
+          <a:lstStyle/>
+          <a:p>
+            <a:pPr algn="ctr"/>
+            <a:endParaRPr lang="ko-KR" altLang="en-US"/>
+          </a:p>
+        </p:txBody>
+      </p:sp>
+      <p:sp>
+        <p:nvSpPr>
+          <p:cNvPr id="7" name="타원 6">
+            <a:extLst>
+              <a:ext uri="{FF2B5EF4-FFF2-40B4-BE49-F238E27FC236}">
+                <a16:creationId xmlns:a16="http://schemas.microsoft.com/office/drawing/2014/main" id="{EB85B35F-720D-E7C1-3C6C-35260F7EBB29}"/>
+              </a:ext>
+            </a:extLst>
+          </p:cNvPr>
+          <p:cNvSpPr/>
+          <p:nvPr/>
+        </p:nvSpPr>
+        <p:spPr>
+          <a:xfrm>
+            <a:off x="2688771" y="3168951"/>
+            <a:ext cx="1523999" cy="1647978"/>
+          </a:xfrm>
+          <a:prstGeom prst="ellipse">
+            <a:avLst/>
+          </a:prstGeom>
+          <a:noFill/>
+          <a:ln w="76200">
+            <a:solidFill>
+              <a:srgbClr val="FFFF00"/>
+            </a:solidFill>
+          </a:ln>
+        </p:spPr>
+        <p:style>
+          <a:lnRef idx="2">
+            <a:schemeClr val="accent1">
+              <a:shade val="15000"/>
+            </a:schemeClr>
+          </a:lnRef>
+          <a:fillRef idx="1">
+            <a:schemeClr val="accent1"/>
+          </a:fillRef>
+          <a:effectRef idx="0">
+            <a:schemeClr val="accent1"/>
+          </a:effectRef>
+          <a:fontRef idx="minor">
+            <a:schemeClr val="lt1"/>
+          </a:fontRef>
+        </p:style>
+        <p:txBody>
+          <a:bodyPr rtlCol="0" anchor="ctr"/>
+          <a:lstStyle/>
+          <a:p>
+            <a:pPr algn="ctr"/>
+            <a:endParaRPr lang="ko-KR" altLang="en-US"/>
+          </a:p>
+        </p:txBody>
+      </p:sp>
+      <p:sp>
+        <p:nvSpPr>
+          <p:cNvPr id="8" name="타원 7">
+            <a:extLst>
+              <a:ext uri="{FF2B5EF4-FFF2-40B4-BE49-F238E27FC236}">
+                <a16:creationId xmlns:a16="http://schemas.microsoft.com/office/drawing/2014/main" id="{B8F01BE1-5C27-32B8-F69A-A70E2DDCC416}"/>
+              </a:ext>
+            </a:extLst>
+          </p:cNvPr>
+          <p:cNvSpPr/>
+          <p:nvPr/>
+        </p:nvSpPr>
+        <p:spPr>
+          <a:xfrm>
+            <a:off x="311551" y="936721"/>
+            <a:ext cx="1191547" cy="1621609"/>
+          </a:xfrm>
+          <a:prstGeom prst="ellipse">
+            <a:avLst/>
+          </a:prstGeom>
+          <a:noFill/>
+          <a:ln w="76200">
+            <a:solidFill>
+              <a:schemeClr val="tx1"/>
+            </a:solidFill>
+          </a:ln>
+        </p:spPr>
+        <p:style>
+          <a:lnRef idx="2">
+            <a:schemeClr val="accent1">
+              <a:shade val="15000"/>
+            </a:schemeClr>
+          </a:lnRef>
+          <a:fillRef idx="1">
+            <a:schemeClr val="accent1"/>
+          </a:fillRef>
+          <a:effectRef idx="0">
+            <a:schemeClr val="accent1"/>
+          </a:effectRef>
+          <a:fontRef idx="minor">
+            <a:schemeClr val="lt1"/>
+          </a:fontRef>
+        </p:style>
+        <p:txBody>
+          <a:bodyPr rtlCol="0" anchor="ctr"/>
+          <a:lstStyle/>
+          <a:p>
+            <a:pPr algn="ctr"/>
+            <a:endParaRPr lang="ko-KR" altLang="en-US"/>
           </a:p>
         </p:txBody>
       </p:sp>
@@ -14551,6 +14696,36 @@
           <a:chExt cx="0" cy="0"/>
         </a:xfrm>
       </p:grpSpPr>
+      <p:pic>
+        <p:nvPicPr>
+          <p:cNvPr id="4" name="그림 3">
+            <a:extLst>
+              <a:ext uri="{FF2B5EF4-FFF2-40B4-BE49-F238E27FC236}">
+                <a16:creationId xmlns:a16="http://schemas.microsoft.com/office/drawing/2014/main" id="{DDD9DE4D-A1E5-092B-9FE8-DC792967D41C}"/>
+              </a:ext>
+            </a:extLst>
+          </p:cNvPr>
+          <p:cNvPicPr>
+            <a:picLocks noChangeAspect="1"/>
+          </p:cNvPicPr>
+          <p:nvPr/>
+        </p:nvPicPr>
+        <p:blipFill>
+          <a:blip r:embed="rId3"/>
+          <a:stretch>
+            <a:fillRect/>
+          </a:stretch>
+        </p:blipFill>
+        <p:spPr>
+          <a:xfrm>
+            <a:off x="509123" y="1149667"/>
+            <a:ext cx="6760906" cy="4140790"/>
+          </a:xfrm>
+          <a:prstGeom prst="rect">
+            <a:avLst/>
+          </a:prstGeom>
+        </p:spPr>
+      </p:pic>
       <p:sp>
         <p:nvSpPr>
           <p:cNvPr id="2" name="제목 1">
@@ -14699,42 +14874,6 @@
           </a:p>
         </p:txBody>
       </p:sp>
-      <p:pic>
-        <p:nvPicPr>
-          <p:cNvPr id="6" name="그림 5" descr="픽셀, 클립아트, 만화 영화, 스크린샷이(가) 표시된 사진&#10;&#10;자동 생성된 설명">
-            <a:extLst>
-              <a:ext uri="{FF2B5EF4-FFF2-40B4-BE49-F238E27FC236}">
-                <a16:creationId xmlns:a16="http://schemas.microsoft.com/office/drawing/2014/main" id="{3230DDB9-EBBB-F707-4487-7BB73C38FDEE}"/>
-              </a:ext>
-            </a:extLst>
-          </p:cNvPr>
-          <p:cNvPicPr>
-            <a:picLocks noChangeAspect="1"/>
-          </p:cNvPicPr>
-          <p:nvPr/>
-        </p:nvPicPr>
-        <p:blipFill>
-          <a:blip r:embed="rId3">
-            <a:extLst>
-              <a:ext uri="{28A0092B-C50C-407E-A947-70E740481C1C}">
-                <a14:useLocalDpi xmlns:a14="http://schemas.microsoft.com/office/drawing/2010/main" val="0"/>
-              </a:ext>
-            </a:extLst>
-          </a:blip>
-          <a:stretch>
-            <a:fillRect/>
-          </a:stretch>
-        </p:blipFill>
-        <p:spPr>
-          <a:xfrm>
-            <a:off x="450573" y="1308045"/>
-            <a:ext cx="6877878" cy="3900642"/>
-          </a:xfrm>
-          <a:prstGeom prst="rect">
-            <a:avLst/>
-          </a:prstGeom>
-        </p:spPr>
-      </p:pic>
       <p:sp>
         <p:nvSpPr>
           <p:cNvPr id="7" name="타원 6">
@@ -14749,8 +14888,8 @@
         </p:nvSpPr>
         <p:spPr>
           <a:xfrm>
-            <a:off x="2835966" y="4008783"/>
-            <a:ext cx="1742102" cy="931628"/>
+            <a:off x="2835966" y="4158342"/>
+            <a:ext cx="984920" cy="944509"/>
           </a:xfrm>
           <a:prstGeom prst="ellipse">
             <a:avLst/>
@@ -14797,7 +14936,7 @@
         </p:nvSpPr>
         <p:spPr>
           <a:xfrm>
-            <a:off x="1901686" y="4008783"/>
+            <a:off x="2026872" y="2109969"/>
             <a:ext cx="861391" cy="703988"/>
           </a:xfrm>
           <a:prstGeom prst="ellipse">
@@ -14850,7 +14989,7 @@
         <p:spPr>
           <a:xfrm>
             <a:off x="7364897" y="1373125"/>
-            <a:ext cx="4827103" cy="3785652"/>
+            <a:ext cx="4827103" cy="3416320"/>
           </a:xfrm>
           <a:prstGeom prst="rect">
             <a:avLst/>
@@ -14868,11 +15007,7 @@
             </a:pPr>
             <a:r>
               <a:rPr lang="ko-KR" altLang="en-US" sz="2400" dirty="0"/>
-              <a:t>스테이지 마지막에는 보스가 나와서 보스가 쏘는 공격을 피하면서 동시에 마우스 왼쪽 키를 눌려 보스를 </a:t>
-            </a:r>
-            <a:r>
-              <a:rPr lang="ko-KR" altLang="en-US" sz="2400" dirty="0" err="1"/>
-              <a:t>공격해야함</a:t>
+              <a:t>스테이지 마지막에는 보스가 나와서 보스가 쏘는 공격을 피하면서 동시에 마우스 왼쪽 키를 눌려 보스를 공격해야 함</a:t>
             </a:r>
             <a:endParaRPr lang="en-US" altLang="ko-KR" sz="2400" dirty="0"/>
           </a:p>
@@ -14908,7 +15043,7 @@
             </a:pPr>
             <a:r>
               <a:rPr lang="ko-KR" altLang="en-US" sz="2400" dirty="0"/>
-              <a:t>죽이면 최종 스테이지 클리어해서 마무리</a:t>
+              <a:t>죽이면 게임이 마무리</a:t>
             </a:r>
             <a:endParaRPr lang="en-US" altLang="ko-KR" sz="2400" dirty="0"/>
           </a:p>
@@ -14928,8 +15063,8 @@
         </p:nvSpPr>
         <p:spPr>
           <a:xfrm>
-            <a:off x="3293511" y="1450404"/>
-            <a:ext cx="3981723" cy="3631095"/>
+            <a:off x="5464629" y="1450404"/>
+            <a:ext cx="1810605" cy="3039953"/>
           </a:xfrm>
           <a:prstGeom prst="ellipse">
             <a:avLst/>
@@ -17852,14 +17987,14 @@
           <p:nvPr>
             <p:extLst>
               <p:ext uri="{D42A27DB-BD31-4B8C-83A1-F6EECF244321}">
-                <p14:modId xmlns:p14="http://schemas.microsoft.com/office/powerpoint/2010/main" val="2226622432"/>
+                <p14:modId xmlns:p14="http://schemas.microsoft.com/office/powerpoint/2010/main" val="2234718492"/>
               </p:ext>
             </p:extLst>
           </p:nvPr>
         </p:nvGraphicFramePr>
         <p:xfrm>
           <a:off x="3330255" y="640080"/>
-          <a:ext cx="7480624" cy="5773026"/>
+          <a:ext cx="7480624" cy="5620612"/>
         </p:xfrm>
         <a:graphic>
           <a:graphicData uri="http://schemas.openxmlformats.org/drawingml/2006/table">
@@ -17966,12 +18101,8 @@
                     <a:p>
                       <a:pPr algn="ctr" latinLnBrk="1"/>
                       <a:r>
-                        <a:rPr lang="en-US" altLang="ko-KR" sz="1600" dirty="0"/>
-                        <a:t>1</a:t>
-                      </a:r>
-                      <a:r>
                         <a:rPr lang="ko-KR" altLang="en-US" sz="1600" dirty="0"/>
-                        <a:t>차 발표 및 게임 컨셉 제작</a:t>
+                        <a:t>게임 디자인 및 기초 제작</a:t>
                       </a:r>
                     </a:p>
                   </a:txBody>
@@ -17984,26 +18115,10 @@
                     <a:p>
                       <a:pPr algn="ctr" latinLnBrk="1"/>
                       <a:r>
-                        <a:rPr lang="ko-KR" altLang="en-US" sz="1600"/>
-                        <a:t>수업 시간 </a:t>
+                        <a:rPr lang="ko-KR" altLang="en-US" sz="1600" dirty="0"/>
+                        <a:t>스테이지 디자인 및 기획</a:t>
                       </a:r>
-                      <a:r>
-                        <a:rPr lang="en-US" altLang="ko-KR" sz="1600"/>
-                        <a:t>1</a:t>
-                      </a:r>
-                      <a:r>
-                        <a:rPr lang="ko-KR" altLang="en-US" sz="1600"/>
-                        <a:t>차 </a:t>
-                      </a:r>
-                      <a:r>
-                        <a:rPr lang="en-US" altLang="ko-KR" sz="1600"/>
-                        <a:t>ppt </a:t>
-                      </a:r>
-                      <a:r>
-                        <a:rPr lang="ko-KR" altLang="en-US" sz="1600"/>
-                        <a:t>내용 발표 및 게임 컨셉 통과 확인</a:t>
-                      </a:r>
-                      <a:endParaRPr lang="en-US" altLang="ko-KR" sz="1600"/>
+                      <a:endParaRPr lang="en-US" altLang="ko-KR" sz="1600" dirty="0"/>
                     </a:p>
                   </a:txBody>
                   <a:tcPr marL="39535" marR="39535" marT="19768" marB="19768" anchor="ctr"/>
@@ -18102,7 +18217,7 @@
                   </a:txBody>
                   <a:tcPr marL="57670" marR="57670" marT="28835" marB="28835" anchor="ctr"/>
                 </a:tc>
-                <a:tc>
+                <a:tc rowSpan="2">
                   <a:txBody>
                     <a:bodyPr/>
                     <a:lstStyle/>
@@ -18110,15 +18225,7 @@
                       <a:pPr algn="ctr" latinLnBrk="1"/>
                       <a:r>
                         <a:rPr lang="ko-KR" altLang="en-US" sz="1600" dirty="0"/>
-                        <a:t>스테이지 </a:t>
-                      </a:r>
-                      <a:r>
-                        <a:rPr lang="en-US" altLang="ko-KR" sz="1600" dirty="0"/>
-                        <a:t>1~2 </a:t>
-                      </a:r>
-                      <a:r>
-                        <a:rPr lang="ko-KR" altLang="en-US" sz="1600" dirty="0"/>
-                        <a:t>구현</a:t>
+                        <a:t>스테이지 구현</a:t>
                       </a:r>
                     </a:p>
                   </a:txBody>
@@ -18132,7 +18239,7 @@
                       <a:pPr algn="ctr" latinLnBrk="1"/>
                       <a:r>
                         <a:rPr lang="ko-KR" altLang="en-US" sz="1600" dirty="0"/>
-                        <a:t>스테이지에 장애물 배치 및 적절한 함정 추가 그리고 어떻게 진행 할 것인지에 대한 전반적인 내용</a:t>
+                        <a:t>스테이지에 장애물 배치 및 적절한 함정 추가 그리고 어떻게 진행 할 것인지에 제작</a:t>
                       </a:r>
                     </a:p>
                   </a:txBody>
@@ -18163,24 +18270,13 @@
                   </a:txBody>
                   <a:tcPr marL="57670" marR="57670" marT="28835" marB="28835" anchor="ctr"/>
                 </a:tc>
-                <a:tc>
+                <a:tc vMerge="1">
                   <a:txBody>
                     <a:bodyPr/>
                     <a:lstStyle/>
                     <a:p>
                       <a:pPr algn="ctr" latinLnBrk="1"/>
-                      <a:r>
-                        <a:rPr lang="ko-KR" altLang="en-US" sz="1600" dirty="0"/>
-                        <a:t>스테이지 </a:t>
-                      </a:r>
-                      <a:r>
-                        <a:rPr lang="en-US" altLang="ko-KR" sz="1600" dirty="0"/>
-                        <a:t>3 </a:t>
-                      </a:r>
-                      <a:r>
-                        <a:rPr lang="ko-KR" altLang="en-US" sz="1600" dirty="0"/>
-                        <a:t>구현</a:t>
-                      </a:r>
+                      <a:endParaRPr lang="ko-KR" altLang="en-US" sz="1600" dirty="0"/>
                     </a:p>
                   </a:txBody>
                   <a:tcPr marL="57670" marR="57670" marT="28835" marB="28835" anchor="ctr"/>
@@ -18233,7 +18329,7 @@
                       </a:r>
                       <a:r>
                         <a:rPr lang="ko-KR" altLang="en-US" sz="1600" dirty="0"/>
-                        <a:t>차 발표 및 게임 컨셉 제작</a:t>
+                        <a:t>차 발표 및 스테이지 구현 </a:t>
                       </a:r>
                     </a:p>
                   </a:txBody>
@@ -18263,23 +18359,7 @@
                       </a:r>
                       <a:r>
                         <a:rPr lang="ko-KR" altLang="en-US" sz="1600" dirty="0"/>
-                        <a:t>내용 발표 및 </a:t>
-                      </a:r>
-                      <a:r>
-                        <a:rPr lang="en-US" altLang="ko-KR" sz="1600" dirty="0"/>
-                        <a:t>1</a:t>
-                      </a:r>
-                      <a:r>
-                        <a:rPr lang="ko-KR" altLang="en-US" sz="1600" dirty="0"/>
-                        <a:t>차 내용과 비교</a:t>
-                      </a:r>
-                      <a:r>
-                        <a:rPr lang="en-US" altLang="ko-KR" sz="1600" dirty="0"/>
-                        <a:t>, </a:t>
-                      </a:r>
-                      <a:r>
-                        <a:rPr lang="ko-KR" altLang="en-US" sz="1600" dirty="0"/>
-                        <a:t>차이 </a:t>
+                        <a:t>내용 발표 이후 지속적인 개발</a:t>
                       </a:r>
                       <a:endParaRPr lang="en-US" altLang="ko-KR" sz="1600" dirty="0"/>
                     </a:p>
@@ -18311,7 +18391,7 @@
                   </a:txBody>
                   <a:tcPr marL="57670" marR="57670" marT="28835" marB="28835" anchor="ctr"/>
                 </a:tc>
-                <a:tc>
+                <a:tc rowSpan="2">
                   <a:txBody>
                     <a:bodyPr/>
                     <a:lstStyle/>
@@ -18333,7 +18413,7 @@
                   </a:txBody>
                   <a:tcPr marL="57670" marR="57670" marT="28835" marB="28835" anchor="ctr"/>
                 </a:tc>
-                <a:tc>
+                <a:tc rowSpan="2">
                   <a:txBody>
                     <a:bodyPr/>
                     <a:lstStyle/>
@@ -18341,17 +18421,8 @@
                       <a:pPr algn="ctr" latinLnBrk="1"/>
                       <a:r>
                         <a:rPr lang="ko-KR" altLang="en-US" sz="1600" dirty="0"/>
-                        <a:t>보스 패턴 컨셉 제작 및 공략법 제정</a:t>
+                        <a:t>후반 보스 구현 및 공격 패턴 제작   </a:t>
                       </a:r>
-                      <a:r>
-                        <a:rPr lang="en-US" altLang="ko-KR" sz="1600" dirty="0"/>
-                        <a:t>, </a:t>
-                      </a:r>
-                      <a:r>
-                        <a:rPr lang="ko-KR" altLang="en-US" sz="1600"/>
-                        <a:t>엔딩 내용 제작</a:t>
-                      </a:r>
-                      <a:endParaRPr lang="ko-KR" altLang="en-US" sz="1600" dirty="0"/>
                     </a:p>
                   </a:txBody>
                   <a:tcPr marL="57670" marR="57670" marT="28835" marB="28835" anchor="ctr"/>
@@ -18381,30 +18452,22 @@
                   </a:txBody>
                   <a:tcPr marL="57670" marR="57670" marT="28835" marB="28835" anchor="ctr"/>
                 </a:tc>
-                <a:tc>
+                <a:tc vMerge="1">
                   <a:txBody>
                     <a:bodyPr/>
                     <a:lstStyle/>
                     <a:p>
-                      <a:pPr algn="ctr" latinLnBrk="1"/>
-                      <a:r>
-                        <a:rPr lang="ko-KR" altLang="en-US" sz="1600" dirty="0"/>
-                        <a:t>세부사항 조절 및 최종점검</a:t>
-                      </a:r>
+                      <a:endParaRPr dirty="0"/>
                     </a:p>
                   </a:txBody>
                   <a:tcPr marL="57670" marR="57670" marT="28835" marB="28835" anchor="ctr"/>
                 </a:tc>
-                <a:tc>
+                <a:tc vMerge="1">
                   <a:txBody>
                     <a:bodyPr/>
                     <a:lstStyle/>
                     <a:p>
-                      <a:pPr algn="ctr" latinLnBrk="1"/>
-                      <a:r>
-                        <a:rPr lang="ko-KR" altLang="en-US" sz="1600" dirty="0"/>
-                        <a:t>예상치 못한 버그가 있는지 직접 시현 플레이</a:t>
-                      </a:r>
+                      <a:endParaRPr dirty="0"/>
                     </a:p>
                   </a:txBody>
                   <a:tcPr marL="57670" marR="57670" marT="28835" marB="28835" anchor="ctr"/>
@@ -18442,7 +18505,7 @@
                       <a:pPr algn="ctr" latinLnBrk="1"/>
                       <a:r>
                         <a:rPr lang="ko-KR" altLang="en-US" sz="1600" dirty="0"/>
-                        <a:t>최종발표</a:t>
+                        <a:t>세부사항 조절 및 최종점검</a:t>
                       </a:r>
                     </a:p>
                   </a:txBody>
@@ -18455,9 +18518,10 @@
                     <a:p>
                       <a:pPr algn="ctr" latinLnBrk="1"/>
                       <a:r>
-                        <a:rPr lang="ko-KR" altLang="en-US" sz="1600" dirty="0"/>
-                        <a:t>게임 완성 및 릴리즈</a:t>
+                        <a:rPr lang="ko-KR" altLang="en-US" sz="1600"/>
+                        <a:t>게임이 잘 구현 되었는지 점검</a:t>
                       </a:r>
+                      <a:endParaRPr lang="ko-KR" altLang="en-US" sz="1600" dirty="0"/>
                     </a:p>
                   </a:txBody>
                   <a:tcPr marL="57670" marR="57670" marT="28835" marB="28835" anchor="ctr"/>
